--- a/lesson_HTML5/1.HTML5介绍及开发前准备/1.HTML5介绍及开发前准备.pptx
+++ b/lesson_HTML5/1.HTML5介绍及开发前准备/1.HTML5介绍及开发前准备.pptx
@@ -5,13 +5,15 @@
     <p:sldMasterId id="2147483648" r:id="rId1"/>
   </p:sldMasterIdLst>
   <p:notesMasterIdLst>
-    <p:notesMasterId r:id="rId6"/>
+    <p:notesMasterId r:id="rId8"/>
   </p:notesMasterIdLst>
   <p:sldIdLst>
     <p:sldId id="256" r:id="rId2"/>
     <p:sldId id="264" r:id="rId3"/>
     <p:sldId id="257" r:id="rId4"/>
     <p:sldId id="259" r:id="rId5"/>
+    <p:sldId id="265" r:id="rId6"/>
+    <p:sldId id="266" r:id="rId7"/>
   </p:sldIdLst>
   <p:sldSz cx="12192000" cy="6858000"/>
   <p:notesSz cx="6858000" cy="9144000"/>
@@ -8981,32 +8983,6 @@
               <a:rPr lang="zh-CN" altLang="en-US" dirty="0" smtClean="0"/>
               <a:t>准备</a:t>
             </a:r>
-            <a:endParaRPr lang="en-US" altLang="zh-CN" dirty="0" smtClean="0"/>
-          </a:p>
-          <a:p>
-            <a:r>
-              <a:rPr lang="en-US" altLang="zh-CN" dirty="0"/>
-              <a:t>HTML</a:t>
-            </a:r>
-            <a:r>
-              <a:rPr lang="zh-CN" altLang="en-US" dirty="0"/>
-              <a:t>和</a:t>
-            </a:r>
-            <a:r>
-              <a:rPr lang="en-US" altLang="zh-CN" dirty="0"/>
-              <a:t>CSS</a:t>
-            </a:r>
-            <a:r>
-              <a:rPr lang="zh-CN" altLang="en-US" dirty="0"/>
-              <a:t>的使用</a:t>
-            </a:r>
-            <a:r>
-              <a:rPr lang="zh-CN" altLang="en-US" dirty="0" smtClean="0"/>
-              <a:t>介绍</a:t>
-            </a:r>
-            <a:endParaRPr kumimoji="1" lang="en-US" altLang="zh-CN" dirty="0" smtClean="0"/>
-          </a:p>
-          <a:p>
             <a:endParaRPr kumimoji="1" lang="en-US" altLang="zh-CN" dirty="0" smtClean="0"/>
           </a:p>
           <a:p>
@@ -9179,37 +9155,169 @@
                       </p:childTnLst>
                     </p:cTn>
                   </p:par>
+                </p:childTnLst>
+              </p:cTn>
+              <p:prevCondLst>
+                <p:cond evt="onPrev" delay="0">
+                  <p:tgtEl>
+                    <p:sldTgt/>
+                  </p:tgtEl>
+                </p:cond>
+              </p:prevCondLst>
+              <p:nextCondLst>
+                <p:cond evt="onNext" delay="0">
+                  <p:tgtEl>
+                    <p:sldTgt/>
+                  </p:tgtEl>
+                </p:cond>
+              </p:nextCondLst>
+            </p:seq>
+          </p:childTnLst>
+        </p:cTn>
+      </p:par>
+    </p:tnLst>
+    <p:bldLst>
+      <p:bldP spid="3" grpId="0" build="p"/>
+    </p:bldLst>
+  </p:timing>
+</p:sld>
+</file>
+
+<file path=ppt/slides/slide5.xml><?xml version="1.0" encoding="utf-8"?>
+<p:sld xmlns:a="http://schemas.openxmlformats.org/drawingml/2006/main" xmlns:r="http://schemas.openxmlformats.org/officeDocument/2006/relationships" xmlns:p="http://schemas.openxmlformats.org/presentationml/2006/main">
+  <p:cSld>
+    <p:spTree>
+      <p:nvGrpSpPr>
+        <p:cNvPr id="1" name=""/>
+        <p:cNvGrpSpPr/>
+        <p:nvPr/>
+      </p:nvGrpSpPr>
+      <p:grpSpPr>
+        <a:xfrm>
+          <a:off x="0" y="0"/>
+          <a:ext cx="0" cy="0"/>
+          <a:chOff x="0" y="0"/>
+          <a:chExt cx="0" cy="0"/>
+        </a:xfrm>
+      </p:grpSpPr>
+      <p:sp>
+        <p:nvSpPr>
+          <p:cNvPr id="2" name="标题 1"/>
+          <p:cNvSpPr>
+            <a:spLocks noGrp="1"/>
+          </p:cNvSpPr>
+          <p:nvPr>
+            <p:ph type="title"/>
+          </p:nvPr>
+        </p:nvSpPr>
+        <p:spPr/>
+        <p:txBody>
+          <a:bodyPr/>
+          <a:lstStyle/>
+          <a:p>
+            <a:r>
+              <a:rPr kumimoji="1" lang="zh-CN" altLang="en-US" dirty="0" smtClean="0"/>
+              <a:t>前端工程师</a:t>
+            </a:r>
+            <a:endParaRPr kumimoji="1" lang="zh-CN" altLang="en-US" dirty="0"/>
+          </a:p>
+        </p:txBody>
+      </p:sp>
+      <p:pic>
+        <p:nvPicPr>
+          <p:cNvPr id="4" name="内容占位符 3"/>
+          <p:cNvPicPr>
+            <a:picLocks noGrp="1" noChangeAspect="1"/>
+          </p:cNvPicPr>
+          <p:nvPr>
+            <p:ph idx="1"/>
+          </p:nvPr>
+        </p:nvPicPr>
+        <p:blipFill>
+          <a:blip r:embed="rId2"/>
+          <a:stretch>
+            <a:fillRect/>
+          </a:stretch>
+        </p:blipFill>
+        <p:spPr>
+          <a:xfrm>
+            <a:off x="677690" y="1447800"/>
+            <a:ext cx="8596312" cy="3164853"/>
+          </a:xfrm>
+          <a:prstGeom prst="rect">
+            <a:avLst/>
+          </a:prstGeom>
+        </p:spPr>
+      </p:pic>
+      <p:pic>
+        <p:nvPicPr>
+          <p:cNvPr id="6" name="图片 5"/>
+          <p:cNvPicPr>
+            <a:picLocks noChangeAspect="1"/>
+          </p:cNvPicPr>
+          <p:nvPr/>
+        </p:nvPicPr>
+        <p:blipFill>
+          <a:blip r:embed="rId3"/>
+          <a:stretch>
+            <a:fillRect/>
+          </a:stretch>
+        </p:blipFill>
+        <p:spPr>
+          <a:xfrm>
+            <a:off x="1625600" y="4722895"/>
+            <a:ext cx="6429818" cy="1756658"/>
+          </a:xfrm>
+          <a:prstGeom prst="rect">
+            <a:avLst/>
+          </a:prstGeom>
+        </p:spPr>
+      </p:pic>
+    </p:spTree>
+    <p:extLst>
+      <p:ext uri="{BB962C8B-B14F-4D97-AF65-F5344CB8AC3E}">
+        <p14:creationId xmlns:p14="http://schemas.microsoft.com/office/powerpoint/2010/main" val="1159126505"/>
+      </p:ext>
+    </p:extLst>
+  </p:cSld>
+  <p:clrMapOvr>
+    <a:masterClrMapping/>
+  </p:clrMapOvr>
+  <p:timing>
+    <p:tnLst>
+      <p:par>
+        <p:cTn id="1" dur="indefinite" restart="never" nodeType="tmRoot">
+          <p:childTnLst>
+            <p:seq concurrent="1" nextAc="seek">
+              <p:cTn id="2" dur="indefinite" nodeType="mainSeq">
+                <p:childTnLst>
                   <p:par>
-                    <p:cTn id="15" fill="hold">
+                    <p:cTn id="3" fill="hold">
                       <p:stCondLst>
                         <p:cond delay="indefinite"/>
                       </p:stCondLst>
                       <p:childTnLst>
                         <p:par>
-                          <p:cTn id="16" fill="hold">
+                          <p:cTn id="4" fill="hold">
                             <p:stCondLst>
                               <p:cond delay="0"/>
                             </p:stCondLst>
                             <p:childTnLst>
                               <p:par>
-                                <p:cTn id="17" presetID="1" presetClass="entr" presetSubtype="0" fill="hold" grpId="0" nodeType="clickEffect">
+                                <p:cTn id="5" presetID="12" presetClass="entr" presetSubtype="4" fill="hold" nodeType="clickEffect">
                                   <p:stCondLst>
                                     <p:cond delay="0"/>
                                   </p:stCondLst>
                                   <p:childTnLst>
                                     <p:set>
                                       <p:cBhvr>
-                                        <p:cTn id="18" dur="1" fill="hold">
+                                        <p:cTn id="6" dur="1" fill="hold">
                                           <p:stCondLst>
                                             <p:cond delay="0"/>
                                           </p:stCondLst>
                                         </p:cTn>
                                         <p:tgtEl>
-                                          <p:spTgt spid="3">
-                                            <p:txEl>
-                                              <p:pRg st="3" end="3"/>
-                                            </p:txEl>
-                                          </p:spTgt>
+                                          <p:spTgt spid="4"/>
                                         </p:tgtEl>
                                         <p:attrNameLst>
                                           <p:attrName>style.visibility</p:attrName>
@@ -9219,6 +9327,128 @@
                                         <p:strVal val="visible"/>
                                       </p:to>
                                     </p:set>
+                                    <p:anim calcmode="lin" valueType="num">
+                                      <p:cBhvr additive="base">
+                                        <p:cTn id="7" dur="500"/>
+                                        <p:tgtEl>
+                                          <p:spTgt spid="4"/>
+                                        </p:tgtEl>
+                                        <p:attrNameLst>
+                                          <p:attrName>ppt_y</p:attrName>
+                                        </p:attrNameLst>
+                                      </p:cBhvr>
+                                      <p:tavLst>
+                                        <p:tav tm="0">
+                                          <p:val>
+                                            <p:strVal val="#ppt_y+#ppt_h*1.125000"/>
+                                          </p:val>
+                                        </p:tav>
+                                        <p:tav tm="100000">
+                                          <p:val>
+                                            <p:strVal val="#ppt_y"/>
+                                          </p:val>
+                                        </p:tav>
+                                      </p:tavLst>
+                                    </p:anim>
+                                    <p:animEffect transition="in" filter="wipe(up)">
+                                      <p:cBhvr>
+                                        <p:cTn id="8" dur="500"/>
+                                        <p:tgtEl>
+                                          <p:spTgt spid="4"/>
+                                        </p:tgtEl>
+                                      </p:cBhvr>
+                                    </p:animEffect>
+                                  </p:childTnLst>
+                                </p:cTn>
+                              </p:par>
+                            </p:childTnLst>
+                          </p:cTn>
+                        </p:par>
+                      </p:childTnLst>
+                    </p:cTn>
+                  </p:par>
+                  <p:par>
+                    <p:cTn id="9" fill="hold">
+                      <p:stCondLst>
+                        <p:cond delay="indefinite"/>
+                      </p:stCondLst>
+                      <p:childTnLst>
+                        <p:par>
+                          <p:cTn id="10" fill="hold">
+                            <p:stCondLst>
+                              <p:cond delay="0"/>
+                            </p:stCondLst>
+                            <p:childTnLst>
+                              <p:par>
+                                <p:cTn id="11" presetID="2" presetClass="entr" presetSubtype="4" fill="hold" nodeType="clickEffect">
+                                  <p:stCondLst>
+                                    <p:cond delay="0"/>
+                                  </p:stCondLst>
+                                  <p:childTnLst>
+                                    <p:set>
+                                      <p:cBhvr>
+                                        <p:cTn id="12" dur="1" fill="hold">
+                                          <p:stCondLst>
+                                            <p:cond delay="0"/>
+                                          </p:stCondLst>
+                                        </p:cTn>
+                                        <p:tgtEl>
+                                          <p:spTgt spid="6"/>
+                                        </p:tgtEl>
+                                        <p:attrNameLst>
+                                          <p:attrName>style.visibility</p:attrName>
+                                        </p:attrNameLst>
+                                      </p:cBhvr>
+                                      <p:to>
+                                        <p:strVal val="visible"/>
+                                      </p:to>
+                                    </p:set>
+                                    <p:anim calcmode="lin" valueType="num">
+                                      <p:cBhvr additive="base">
+                                        <p:cTn id="13" dur="500" fill="hold"/>
+                                        <p:tgtEl>
+                                          <p:spTgt spid="6"/>
+                                        </p:tgtEl>
+                                        <p:attrNameLst>
+                                          <p:attrName>ppt_x</p:attrName>
+                                        </p:attrNameLst>
+                                      </p:cBhvr>
+                                      <p:tavLst>
+                                        <p:tav tm="0">
+                                          <p:val>
+                                            <p:strVal val="#ppt_x"/>
+                                          </p:val>
+                                        </p:tav>
+                                        <p:tav tm="100000">
+                                          <p:val>
+                                            <p:strVal val="#ppt_x"/>
+                                          </p:val>
+                                        </p:tav>
+                                      </p:tavLst>
+                                    </p:anim>
+                                    <p:anim calcmode="lin" valueType="num">
+                                      <p:cBhvr additive="base">
+                                        <p:cTn id="14" dur="500" fill="hold"/>
+                                        <p:tgtEl>
+                                          <p:spTgt spid="6"/>
+                                        </p:tgtEl>
+                                        <p:attrNameLst>
+                                          <p:attrName>ppt_y</p:attrName>
+                                        </p:attrNameLst>
+                                      </p:cBhvr>
+                                      <p:tavLst>
+                                        <p:tav tm="0">
+                                          <p:val>
+                                            <p:strVal val="1+#ppt_h/2"/>
+                                          </p:val>
+                                        </p:tav>
+                                        <p:tav tm="100000">
+                                          <p:val>
+                                            <p:strVal val="#ppt_y"/>
+                                          </p:val>
+                                        </p:tav>
+                                      </p:tavLst>
+                                    </p:anim>
                                   </p:childTnLst>
                                 </p:cTn>
                               </p:par>
@@ -9249,9 +9479,109 @@
         </p:cTn>
       </p:par>
     </p:tnLst>
-    <p:bldLst>
-      <p:bldP spid="3" grpId="0" build="p"/>
-    </p:bldLst>
+  </p:timing>
+</p:sld>
+</file>
+
+<file path=ppt/slides/slide6.xml><?xml version="1.0" encoding="utf-8"?>
+<p:sld xmlns:a="http://schemas.openxmlformats.org/drawingml/2006/main" xmlns:r="http://schemas.openxmlformats.org/officeDocument/2006/relationships" xmlns:p="http://schemas.openxmlformats.org/presentationml/2006/main">
+  <p:cSld>
+    <p:spTree>
+      <p:nvGrpSpPr>
+        <p:cNvPr id="1" name=""/>
+        <p:cNvGrpSpPr/>
+        <p:nvPr/>
+      </p:nvGrpSpPr>
+      <p:grpSpPr>
+        <a:xfrm>
+          <a:off x="0" y="0"/>
+          <a:ext cx="0" cy="0"/>
+          <a:chOff x="0" y="0"/>
+          <a:chExt cx="0" cy="0"/>
+        </a:xfrm>
+      </p:grpSpPr>
+      <p:sp>
+        <p:nvSpPr>
+          <p:cNvPr id="2" name="标题 1"/>
+          <p:cNvSpPr>
+            <a:spLocks noGrp="1"/>
+          </p:cNvSpPr>
+          <p:nvPr>
+            <p:ph type="title"/>
+          </p:nvPr>
+        </p:nvSpPr>
+        <p:spPr/>
+        <p:txBody>
+          <a:bodyPr/>
+          <a:lstStyle/>
+          <a:p>
+            <a:r>
+              <a:rPr kumimoji="1" lang="zh-CN" altLang="en-US" dirty="0" smtClean="0"/>
+              <a:t>课程进度</a:t>
+            </a:r>
+            <a:endParaRPr kumimoji="1" lang="zh-CN" altLang="en-US" dirty="0"/>
+          </a:p>
+        </p:txBody>
+      </p:sp>
+      <p:sp>
+        <p:nvSpPr>
+          <p:cNvPr id="3" name="内容占位符 2"/>
+          <p:cNvSpPr>
+            <a:spLocks noGrp="1"/>
+          </p:cNvSpPr>
+          <p:nvPr>
+            <p:ph idx="1"/>
+          </p:nvPr>
+        </p:nvSpPr>
+        <p:spPr/>
+        <p:txBody>
+          <a:bodyPr/>
+          <a:lstStyle/>
+          <a:p>
+            <a:endParaRPr kumimoji="1" lang="zh-CN" altLang="en-US"/>
+          </a:p>
+        </p:txBody>
+      </p:sp>
+      <p:pic>
+        <p:nvPicPr>
+          <p:cNvPr id="4" name="图片 3"/>
+          <p:cNvPicPr>
+            <a:picLocks noChangeAspect="1"/>
+          </p:cNvPicPr>
+          <p:nvPr/>
+        </p:nvPicPr>
+        <p:blipFill>
+          <a:blip r:embed="rId2"/>
+          <a:stretch>
+            <a:fillRect/>
+          </a:stretch>
+        </p:blipFill>
+        <p:spPr>
+          <a:xfrm>
+            <a:off x="677334" y="1632857"/>
+            <a:ext cx="8956523" cy="4408505"/>
+          </a:xfrm>
+          <a:prstGeom prst="rect">
+            <a:avLst/>
+          </a:prstGeom>
+        </p:spPr>
+      </p:pic>
+    </p:spTree>
+    <p:extLst>
+      <p:ext uri="{BB962C8B-B14F-4D97-AF65-F5344CB8AC3E}">
+        <p14:creationId xmlns:p14="http://schemas.microsoft.com/office/powerpoint/2010/main" val="485560280"/>
+      </p:ext>
+    </p:extLst>
+  </p:cSld>
+  <p:clrMapOvr>
+    <a:masterClrMapping/>
+  </p:clrMapOvr>
+  <p:timing>
+    <p:tnLst>
+      <p:par>
+        <p:cTn id="1" dur="indefinite" restart="never" nodeType="tmRoot"/>
+      </p:par>
+    </p:tnLst>
   </p:timing>
 </p:sld>
 </file>

--- a/lesson_HTML5/1.HTML5介绍及开发前准备/1.HTML5介绍及开发前准备.pptx
+++ b/lesson_HTML5/1.HTML5介绍及开发前准备/1.HTML5介绍及开发前准备.pptx
@@ -6948,15 +6948,33 @@
                                   </p:childTnLst>
                                 </p:cTn>
                               </p:par>
+                            </p:childTnLst>
+                          </p:cTn>
+                        </p:par>
+                      </p:childTnLst>
+                    </p:cTn>
+                  </p:par>
+                  <p:par>
+                    <p:cTn id="18" fill="hold">
+                      <p:stCondLst>
+                        <p:cond delay="indefinite"/>
+                      </p:stCondLst>
+                      <p:childTnLst>
+                        <p:par>
+                          <p:cTn id="19" fill="hold">
+                            <p:stCondLst>
+                              <p:cond delay="0"/>
+                            </p:stCondLst>
+                            <p:childTnLst>
                               <p:par>
-                                <p:cTn id="18" presetID="3" presetClass="entr" presetSubtype="10" fill="hold" grpId="0" nodeType="withEffect">
+                                <p:cTn id="20" presetID="3" presetClass="entr" presetSubtype="10" fill="hold" grpId="0" nodeType="clickEffect">
                                   <p:stCondLst>
                                     <p:cond delay="0"/>
                                   </p:stCondLst>
                                   <p:childTnLst>
                                     <p:set>
                                       <p:cBhvr>
-                                        <p:cTn id="19" dur="1" fill="hold">
+                                        <p:cTn id="21" dur="1" fill="hold">
                                           <p:stCondLst>
                                             <p:cond delay="0"/>
                                           </p:stCondLst>
@@ -6974,7 +6992,7 @@
                                     </p:set>
                                     <p:animEffect transition="in" filter="blinds(horizontal)">
                                       <p:cBhvr>
-                                        <p:cTn id="20" dur="500"/>
+                                        <p:cTn id="22" dur="500"/>
                                         <p:tgtEl>
                                           <p:spTgt spid="6"/>
                                         </p:tgtEl>
@@ -6990,26 +7008,26 @@
                     </p:cTn>
                   </p:par>
                   <p:par>
-                    <p:cTn id="21" fill="hold">
+                    <p:cTn id="23" fill="hold">
                       <p:stCondLst>
                         <p:cond delay="indefinite"/>
                       </p:stCondLst>
                       <p:childTnLst>
                         <p:par>
-                          <p:cTn id="22" fill="hold">
+                          <p:cTn id="24" fill="hold">
                             <p:stCondLst>
                               <p:cond delay="0"/>
                             </p:stCondLst>
                             <p:childTnLst>
                               <p:par>
-                                <p:cTn id="23" presetID="2" presetClass="entr" presetSubtype="4" fill="hold" grpId="0" nodeType="clickEffect">
+                                <p:cTn id="25" presetID="2" presetClass="entr" presetSubtype="4" fill="hold" grpId="0" nodeType="clickEffect">
                                   <p:stCondLst>
                                     <p:cond delay="0"/>
                                   </p:stCondLst>
                                   <p:childTnLst>
                                     <p:set>
                                       <p:cBhvr>
-                                        <p:cTn id="24" dur="1" fill="hold">
+                                        <p:cTn id="26" dur="1" fill="hold">
                                           <p:stCondLst>
                                             <p:cond delay="0"/>
                                           </p:stCondLst>
@@ -7031,7 +7049,7 @@
                                     </p:set>
                                     <p:anim calcmode="lin" valueType="num">
                                       <p:cBhvr additive="base">
-                                        <p:cTn id="25" dur="500" fill="hold"/>
+                                        <p:cTn id="27" dur="500" fill="hold"/>
                                         <p:tgtEl>
                                           <p:spTgt spid="3">
                                             <p:txEl>
@@ -7058,7 +7076,7 @@
                                     </p:anim>
                                     <p:anim calcmode="lin" valueType="num">
                                       <p:cBhvr additive="base">
-                                        <p:cTn id="26" dur="500" fill="hold"/>
+                                        <p:cTn id="28" dur="500" fill="hold"/>
                                         <p:tgtEl>
                                           <p:spTgt spid="3">
                                             <p:txEl>
@@ -7093,26 +7111,26 @@
                     </p:cTn>
                   </p:par>
                   <p:par>
-                    <p:cTn id="27" fill="hold">
+                    <p:cTn id="29" fill="hold">
                       <p:stCondLst>
                         <p:cond delay="indefinite"/>
                       </p:stCondLst>
                       <p:childTnLst>
                         <p:par>
-                          <p:cTn id="28" fill="hold">
+                          <p:cTn id="30" fill="hold">
                             <p:stCondLst>
                               <p:cond delay="0"/>
                             </p:stCondLst>
                             <p:childTnLst>
                               <p:par>
-                                <p:cTn id="29" presetID="2" presetClass="entr" presetSubtype="4" fill="hold" grpId="0" nodeType="clickEffect">
+                                <p:cTn id="31" presetID="2" presetClass="entr" presetSubtype="4" fill="hold" grpId="0" nodeType="clickEffect">
                                   <p:stCondLst>
                                     <p:cond delay="0"/>
                                   </p:stCondLst>
                                   <p:childTnLst>
                                     <p:set>
                                       <p:cBhvr>
-                                        <p:cTn id="30" dur="1" fill="hold">
+                                        <p:cTn id="32" dur="1" fill="hold">
                                           <p:stCondLst>
                                             <p:cond delay="0"/>
                                           </p:stCondLst>
@@ -7134,7 +7152,7 @@
                                     </p:set>
                                     <p:anim calcmode="lin" valueType="num">
                                       <p:cBhvr additive="base">
-                                        <p:cTn id="31" dur="500" fill="hold"/>
+                                        <p:cTn id="33" dur="500" fill="hold"/>
                                         <p:tgtEl>
                                           <p:spTgt spid="3">
                                             <p:txEl>
@@ -7161,7 +7179,7 @@
                                     </p:anim>
                                     <p:anim calcmode="lin" valueType="num">
                                       <p:cBhvr additive="base">
-                                        <p:cTn id="32" dur="500" fill="hold"/>
+                                        <p:cTn id="34" dur="500" fill="hold"/>
                                         <p:tgtEl>
                                           <p:spTgt spid="3">
                                             <p:txEl>
@@ -7196,26 +7214,26 @@
                     </p:cTn>
                   </p:par>
                   <p:par>
-                    <p:cTn id="33" fill="hold">
+                    <p:cTn id="35" fill="hold">
                       <p:stCondLst>
                         <p:cond delay="indefinite"/>
                       </p:stCondLst>
                       <p:childTnLst>
                         <p:par>
-                          <p:cTn id="34" fill="hold">
+                          <p:cTn id="36" fill="hold">
                             <p:stCondLst>
                               <p:cond delay="0"/>
                             </p:stCondLst>
                             <p:childTnLst>
                               <p:par>
-                                <p:cTn id="35" presetID="2" presetClass="entr" presetSubtype="4" fill="hold" grpId="0" nodeType="clickEffect">
+                                <p:cTn id="37" presetID="2" presetClass="entr" presetSubtype="4" fill="hold" grpId="0" nodeType="clickEffect">
                                   <p:stCondLst>
                                     <p:cond delay="0"/>
                                   </p:stCondLst>
                                   <p:childTnLst>
                                     <p:set>
                                       <p:cBhvr>
-                                        <p:cTn id="36" dur="1" fill="hold">
+                                        <p:cTn id="38" dur="1" fill="hold">
                                           <p:stCondLst>
                                             <p:cond delay="0"/>
                                           </p:stCondLst>
@@ -7237,7 +7255,7 @@
                                     </p:set>
                                     <p:anim calcmode="lin" valueType="num">
                                       <p:cBhvr additive="base">
-                                        <p:cTn id="37" dur="500" fill="hold"/>
+                                        <p:cTn id="39" dur="500" fill="hold"/>
                                         <p:tgtEl>
                                           <p:spTgt spid="3">
                                             <p:txEl>
@@ -7264,7 +7282,7 @@
                                     </p:anim>
                                     <p:anim calcmode="lin" valueType="num">
                                       <p:cBhvr additive="base">
-                                        <p:cTn id="38" dur="500" fill="hold"/>
+                                        <p:cTn id="40" dur="500" fill="hold"/>
                                         <p:tgtEl>
                                           <p:spTgt spid="3">
                                             <p:txEl>
@@ -7720,7 +7738,7 @@
                             </p:stCondLst>
                             <p:childTnLst>
                               <p:par>
-                                <p:cTn id="5" presetID="10" presetClass="entr" presetSubtype="0" fill="hold" grpId="0" nodeType="clickEffect">
+                                <p:cTn id="5" presetID="1" presetClass="entr" presetSubtype="0" fill="hold" nodeType="clickEffect">
                                   <p:stCondLst>
                                     <p:cond delay="0"/>
                                   </p:stCondLst>
@@ -7747,61 +7765,6 @@
                                         <p:strVal val="visible"/>
                                       </p:to>
                                     </p:set>
-                                    <p:animEffect transition="in" filter="fade">
-                                      <p:cBhvr>
-                                        <p:cTn id="7" dur="500"/>
-                                        <p:tgtEl>
-                                          <p:spTgt spid="3">
-                                            <p:txEl>
-                                              <p:pRg st="0" end="0"/>
-                                            </p:txEl>
-                                          </p:spTgt>
-                                        </p:tgtEl>
-                                      </p:cBhvr>
-                                    </p:animEffect>
-                                  </p:childTnLst>
-                                </p:cTn>
-                              </p:par>
-                              <p:par>
-                                <p:cTn id="8" presetID="10" presetClass="entr" presetSubtype="0" fill="hold" grpId="0" nodeType="withEffect">
-                                  <p:stCondLst>
-                                    <p:cond delay="0"/>
-                                  </p:stCondLst>
-                                  <p:childTnLst>
-                                    <p:set>
-                                      <p:cBhvr>
-                                        <p:cTn id="9" dur="1" fill="hold">
-                                          <p:stCondLst>
-                                            <p:cond delay="0"/>
-                                          </p:stCondLst>
-                                        </p:cTn>
-                                        <p:tgtEl>
-                                          <p:spTgt spid="3">
-                                            <p:txEl>
-                                              <p:pRg st="1" end="1"/>
-                                            </p:txEl>
-                                          </p:spTgt>
-                                        </p:tgtEl>
-                                        <p:attrNameLst>
-                                          <p:attrName>style.visibility</p:attrName>
-                                        </p:attrNameLst>
-                                      </p:cBhvr>
-                                      <p:to>
-                                        <p:strVal val="visible"/>
-                                      </p:to>
-                                    </p:set>
-                                    <p:animEffect transition="in" filter="fade">
-                                      <p:cBhvr>
-                                        <p:cTn id="10" dur="500"/>
-                                        <p:tgtEl>
-                                          <p:spTgt spid="3">
-                                            <p:txEl>
-                                              <p:pRg st="1" end="1"/>
-                                            </p:txEl>
-                                          </p:spTgt>
-                                        </p:tgtEl>
-                                      </p:cBhvr>
-                                    </p:animEffect>
                                   </p:childTnLst>
                                 </p:cTn>
                               </p:par>
@@ -7812,571 +7775,26 @@
                     </p:cTn>
                   </p:par>
                   <p:par>
-                    <p:cTn id="11" fill="hold">
+                    <p:cTn id="7" fill="hold">
                       <p:stCondLst>
                         <p:cond delay="indefinite"/>
                       </p:stCondLst>
                       <p:childTnLst>
                         <p:par>
-                          <p:cTn id="12" fill="hold">
+                          <p:cTn id="8" fill="hold">
                             <p:stCondLst>
                               <p:cond delay="0"/>
                             </p:stCondLst>
                             <p:childTnLst>
                               <p:par>
-                                <p:cTn id="13" presetID="10" presetClass="entr" presetSubtype="0" fill="hold" grpId="0" nodeType="clickEffect">
+                                <p:cTn id="9" presetID="1" presetClass="entr" presetSubtype="0" fill="hold" grpId="0" nodeType="clickEffect">
                                   <p:stCondLst>
                                     <p:cond delay="0"/>
                                   </p:stCondLst>
                                   <p:childTnLst>
                                     <p:set>
                                       <p:cBhvr>
-                                        <p:cTn id="14" dur="1" fill="hold">
-                                          <p:stCondLst>
-                                            <p:cond delay="0"/>
-                                          </p:stCondLst>
-                                        </p:cTn>
-                                        <p:tgtEl>
-                                          <p:spTgt spid="3">
-                                            <p:txEl>
-                                              <p:pRg st="2" end="2"/>
-                                            </p:txEl>
-                                          </p:spTgt>
-                                        </p:tgtEl>
-                                        <p:attrNameLst>
-                                          <p:attrName>style.visibility</p:attrName>
-                                        </p:attrNameLst>
-                                      </p:cBhvr>
-                                      <p:to>
-                                        <p:strVal val="visible"/>
-                                      </p:to>
-                                    </p:set>
-                                    <p:animEffect transition="in" filter="fade">
-                                      <p:cBhvr>
-                                        <p:cTn id="15" dur="500"/>
-                                        <p:tgtEl>
-                                          <p:spTgt spid="3">
-                                            <p:txEl>
-                                              <p:pRg st="2" end="2"/>
-                                            </p:txEl>
-                                          </p:spTgt>
-                                        </p:tgtEl>
-                                      </p:cBhvr>
-                                    </p:animEffect>
-                                  </p:childTnLst>
-                                </p:cTn>
-                              </p:par>
-                              <p:par>
-                                <p:cTn id="16" presetID="10" presetClass="entr" presetSubtype="0" fill="hold" grpId="0" nodeType="withEffect">
-                                  <p:stCondLst>
-                                    <p:cond delay="0"/>
-                                  </p:stCondLst>
-                                  <p:childTnLst>
-                                    <p:set>
-                                      <p:cBhvr>
-                                        <p:cTn id="17" dur="1" fill="hold">
-                                          <p:stCondLst>
-                                            <p:cond delay="0"/>
-                                          </p:stCondLst>
-                                        </p:cTn>
-                                        <p:tgtEl>
-                                          <p:spTgt spid="3">
-                                            <p:txEl>
-                                              <p:pRg st="3" end="3"/>
-                                            </p:txEl>
-                                          </p:spTgt>
-                                        </p:tgtEl>
-                                        <p:attrNameLst>
-                                          <p:attrName>style.visibility</p:attrName>
-                                        </p:attrNameLst>
-                                      </p:cBhvr>
-                                      <p:to>
-                                        <p:strVal val="visible"/>
-                                      </p:to>
-                                    </p:set>
-                                    <p:animEffect transition="in" filter="fade">
-                                      <p:cBhvr>
-                                        <p:cTn id="18" dur="500"/>
-                                        <p:tgtEl>
-                                          <p:spTgt spid="3">
-                                            <p:txEl>
-                                              <p:pRg st="3" end="3"/>
-                                            </p:txEl>
-                                          </p:spTgt>
-                                        </p:tgtEl>
-                                      </p:cBhvr>
-                                    </p:animEffect>
-                                  </p:childTnLst>
-                                </p:cTn>
-                              </p:par>
-                              <p:par>
-                                <p:cTn id="19" presetID="10" presetClass="entr" presetSubtype="0" fill="hold" grpId="0" nodeType="withEffect">
-                                  <p:stCondLst>
-                                    <p:cond delay="0"/>
-                                  </p:stCondLst>
-                                  <p:childTnLst>
-                                    <p:set>
-                                      <p:cBhvr>
-                                        <p:cTn id="20" dur="1" fill="hold">
-                                          <p:stCondLst>
-                                            <p:cond delay="0"/>
-                                          </p:stCondLst>
-                                        </p:cTn>
-                                        <p:tgtEl>
-                                          <p:spTgt spid="3">
-                                            <p:txEl>
-                                              <p:pRg st="4" end="4"/>
-                                            </p:txEl>
-                                          </p:spTgt>
-                                        </p:tgtEl>
-                                        <p:attrNameLst>
-                                          <p:attrName>style.visibility</p:attrName>
-                                        </p:attrNameLst>
-                                      </p:cBhvr>
-                                      <p:to>
-                                        <p:strVal val="visible"/>
-                                      </p:to>
-                                    </p:set>
-                                    <p:animEffect transition="in" filter="fade">
-                                      <p:cBhvr>
-                                        <p:cTn id="21" dur="500"/>
-                                        <p:tgtEl>
-                                          <p:spTgt spid="3">
-                                            <p:txEl>
-                                              <p:pRg st="4" end="4"/>
-                                            </p:txEl>
-                                          </p:spTgt>
-                                        </p:tgtEl>
-                                      </p:cBhvr>
-                                    </p:animEffect>
-                                  </p:childTnLst>
-                                </p:cTn>
-                              </p:par>
-                            </p:childTnLst>
-                          </p:cTn>
-                        </p:par>
-                      </p:childTnLst>
-                    </p:cTn>
-                  </p:par>
-                  <p:par>
-                    <p:cTn id="22" fill="hold">
-                      <p:stCondLst>
-                        <p:cond delay="indefinite"/>
-                      </p:stCondLst>
-                      <p:childTnLst>
-                        <p:par>
-                          <p:cTn id="23" fill="hold">
-                            <p:stCondLst>
-                              <p:cond delay="0"/>
-                            </p:stCondLst>
-                            <p:childTnLst>
-                              <p:par>
-                                <p:cTn id="24" presetID="10" presetClass="entr" presetSubtype="0" fill="hold" grpId="0" nodeType="clickEffect">
-                                  <p:stCondLst>
-                                    <p:cond delay="0"/>
-                                  </p:stCondLst>
-                                  <p:childTnLst>
-                                    <p:set>
-                                      <p:cBhvr>
-                                        <p:cTn id="25" dur="1" fill="hold">
-                                          <p:stCondLst>
-                                            <p:cond delay="0"/>
-                                          </p:stCondLst>
-                                        </p:cTn>
-                                        <p:tgtEl>
-                                          <p:spTgt spid="3">
-                                            <p:txEl>
-                                              <p:pRg st="5" end="5"/>
-                                            </p:txEl>
-                                          </p:spTgt>
-                                        </p:tgtEl>
-                                        <p:attrNameLst>
-                                          <p:attrName>style.visibility</p:attrName>
-                                        </p:attrNameLst>
-                                      </p:cBhvr>
-                                      <p:to>
-                                        <p:strVal val="visible"/>
-                                      </p:to>
-                                    </p:set>
-                                    <p:animEffect transition="in" filter="fade">
-                                      <p:cBhvr>
-                                        <p:cTn id="26" dur="500"/>
-                                        <p:tgtEl>
-                                          <p:spTgt spid="3">
-                                            <p:txEl>
-                                              <p:pRg st="5" end="5"/>
-                                            </p:txEl>
-                                          </p:spTgt>
-                                        </p:tgtEl>
-                                      </p:cBhvr>
-                                    </p:animEffect>
-                                  </p:childTnLst>
-                                </p:cTn>
-                              </p:par>
-                              <p:par>
-                                <p:cTn id="27" presetID="10" presetClass="entr" presetSubtype="0" fill="hold" grpId="0" nodeType="withEffect">
-                                  <p:stCondLst>
-                                    <p:cond delay="0"/>
-                                  </p:stCondLst>
-                                  <p:childTnLst>
-                                    <p:set>
-                                      <p:cBhvr>
-                                        <p:cTn id="28" dur="1" fill="hold">
-                                          <p:stCondLst>
-                                            <p:cond delay="0"/>
-                                          </p:stCondLst>
-                                        </p:cTn>
-                                        <p:tgtEl>
-                                          <p:spTgt spid="3">
-                                            <p:txEl>
-                                              <p:pRg st="6" end="6"/>
-                                            </p:txEl>
-                                          </p:spTgt>
-                                        </p:tgtEl>
-                                        <p:attrNameLst>
-                                          <p:attrName>style.visibility</p:attrName>
-                                        </p:attrNameLst>
-                                      </p:cBhvr>
-                                      <p:to>
-                                        <p:strVal val="visible"/>
-                                      </p:to>
-                                    </p:set>
-                                    <p:animEffect transition="in" filter="fade">
-                                      <p:cBhvr>
-                                        <p:cTn id="29" dur="500"/>
-                                        <p:tgtEl>
-                                          <p:spTgt spid="3">
-                                            <p:txEl>
-                                              <p:pRg st="6" end="6"/>
-                                            </p:txEl>
-                                          </p:spTgt>
-                                        </p:tgtEl>
-                                      </p:cBhvr>
-                                    </p:animEffect>
-                                  </p:childTnLst>
-                                </p:cTn>
-                              </p:par>
-                              <p:par>
-                                <p:cTn id="30" presetID="10" presetClass="entr" presetSubtype="0" fill="hold" grpId="0" nodeType="withEffect">
-                                  <p:stCondLst>
-                                    <p:cond delay="0"/>
-                                  </p:stCondLst>
-                                  <p:childTnLst>
-                                    <p:set>
-                                      <p:cBhvr>
-                                        <p:cTn id="31" dur="1" fill="hold">
-                                          <p:stCondLst>
-                                            <p:cond delay="0"/>
-                                          </p:stCondLst>
-                                        </p:cTn>
-                                        <p:tgtEl>
-                                          <p:spTgt spid="3">
-                                            <p:txEl>
-                                              <p:pRg st="7" end="7"/>
-                                            </p:txEl>
-                                          </p:spTgt>
-                                        </p:tgtEl>
-                                        <p:attrNameLst>
-                                          <p:attrName>style.visibility</p:attrName>
-                                        </p:attrNameLst>
-                                      </p:cBhvr>
-                                      <p:to>
-                                        <p:strVal val="visible"/>
-                                      </p:to>
-                                    </p:set>
-                                    <p:animEffect transition="in" filter="fade">
-                                      <p:cBhvr>
-                                        <p:cTn id="32" dur="500"/>
-                                        <p:tgtEl>
-                                          <p:spTgt spid="3">
-                                            <p:txEl>
-                                              <p:pRg st="7" end="7"/>
-                                            </p:txEl>
-                                          </p:spTgt>
-                                        </p:tgtEl>
-                                      </p:cBhvr>
-                                    </p:animEffect>
-                                  </p:childTnLst>
-                                </p:cTn>
-                              </p:par>
-                            </p:childTnLst>
-                          </p:cTn>
-                        </p:par>
-                      </p:childTnLst>
-                    </p:cTn>
-                  </p:par>
-                  <p:par>
-                    <p:cTn id="33" fill="hold">
-                      <p:stCondLst>
-                        <p:cond delay="indefinite"/>
-                      </p:stCondLst>
-                      <p:childTnLst>
-                        <p:par>
-                          <p:cTn id="34" fill="hold">
-                            <p:stCondLst>
-                              <p:cond delay="0"/>
-                            </p:stCondLst>
-                            <p:childTnLst>
-                              <p:par>
-                                <p:cTn id="35" presetID="10" presetClass="entr" presetSubtype="0" fill="hold" grpId="0" nodeType="clickEffect">
-                                  <p:stCondLst>
-                                    <p:cond delay="0"/>
-                                  </p:stCondLst>
-                                  <p:childTnLst>
-                                    <p:set>
-                                      <p:cBhvr>
-                                        <p:cTn id="36" dur="1" fill="hold">
-                                          <p:stCondLst>
-                                            <p:cond delay="0"/>
-                                          </p:stCondLst>
-                                        </p:cTn>
-                                        <p:tgtEl>
-                                          <p:spTgt spid="3">
-                                            <p:txEl>
-                                              <p:pRg st="8" end="8"/>
-                                            </p:txEl>
-                                          </p:spTgt>
-                                        </p:tgtEl>
-                                        <p:attrNameLst>
-                                          <p:attrName>style.visibility</p:attrName>
-                                        </p:attrNameLst>
-                                      </p:cBhvr>
-                                      <p:to>
-                                        <p:strVal val="visible"/>
-                                      </p:to>
-                                    </p:set>
-                                    <p:animEffect transition="in" filter="fade">
-                                      <p:cBhvr>
-                                        <p:cTn id="37" dur="500"/>
-                                        <p:tgtEl>
-                                          <p:spTgt spid="3">
-                                            <p:txEl>
-                                              <p:pRg st="8" end="8"/>
-                                            </p:txEl>
-                                          </p:spTgt>
-                                        </p:tgtEl>
-                                      </p:cBhvr>
-                                    </p:animEffect>
-                                  </p:childTnLst>
-                                </p:cTn>
-                              </p:par>
-                              <p:par>
-                                <p:cTn id="38" presetID="10" presetClass="entr" presetSubtype="0" fill="hold" grpId="0" nodeType="withEffect">
-                                  <p:stCondLst>
-                                    <p:cond delay="0"/>
-                                  </p:stCondLst>
-                                  <p:childTnLst>
-                                    <p:set>
-                                      <p:cBhvr>
-                                        <p:cTn id="39" dur="1" fill="hold">
-                                          <p:stCondLst>
-                                            <p:cond delay="0"/>
-                                          </p:stCondLst>
-                                        </p:cTn>
-                                        <p:tgtEl>
-                                          <p:spTgt spid="3">
-                                            <p:txEl>
-                                              <p:pRg st="9" end="9"/>
-                                            </p:txEl>
-                                          </p:spTgt>
-                                        </p:tgtEl>
-                                        <p:attrNameLst>
-                                          <p:attrName>style.visibility</p:attrName>
-                                        </p:attrNameLst>
-                                      </p:cBhvr>
-                                      <p:to>
-                                        <p:strVal val="visible"/>
-                                      </p:to>
-                                    </p:set>
-                                    <p:animEffect transition="in" filter="fade">
-                                      <p:cBhvr>
-                                        <p:cTn id="40" dur="500"/>
-                                        <p:tgtEl>
-                                          <p:spTgt spid="3">
-                                            <p:txEl>
-                                              <p:pRg st="9" end="9"/>
-                                            </p:txEl>
-                                          </p:spTgt>
-                                        </p:tgtEl>
-                                      </p:cBhvr>
-                                    </p:animEffect>
-                                  </p:childTnLst>
-                                </p:cTn>
-                              </p:par>
-                              <p:par>
-                                <p:cTn id="41" presetID="10" presetClass="entr" presetSubtype="0" fill="hold" grpId="0" nodeType="withEffect">
-                                  <p:stCondLst>
-                                    <p:cond delay="0"/>
-                                  </p:stCondLst>
-                                  <p:childTnLst>
-                                    <p:set>
-                                      <p:cBhvr>
-                                        <p:cTn id="42" dur="1" fill="hold">
-                                          <p:stCondLst>
-                                            <p:cond delay="0"/>
-                                          </p:stCondLst>
-                                        </p:cTn>
-                                        <p:tgtEl>
-                                          <p:spTgt spid="3">
-                                            <p:txEl>
-                                              <p:pRg st="10" end="10"/>
-                                            </p:txEl>
-                                          </p:spTgt>
-                                        </p:tgtEl>
-                                        <p:attrNameLst>
-                                          <p:attrName>style.visibility</p:attrName>
-                                        </p:attrNameLst>
-                                      </p:cBhvr>
-                                      <p:to>
-                                        <p:strVal val="visible"/>
-                                      </p:to>
-                                    </p:set>
-                                    <p:animEffect transition="in" filter="fade">
-                                      <p:cBhvr>
-                                        <p:cTn id="43" dur="500"/>
-                                        <p:tgtEl>
-                                          <p:spTgt spid="3">
-                                            <p:txEl>
-                                              <p:pRg st="10" end="10"/>
-                                            </p:txEl>
-                                          </p:spTgt>
-                                        </p:tgtEl>
-                                      </p:cBhvr>
-                                    </p:animEffect>
-                                  </p:childTnLst>
-                                </p:cTn>
-                              </p:par>
-                            </p:childTnLst>
-                          </p:cTn>
-                        </p:par>
-                      </p:childTnLst>
-                    </p:cTn>
-                  </p:par>
-                  <p:par>
-                    <p:cTn id="44" fill="hold">
-                      <p:stCondLst>
-                        <p:cond delay="indefinite"/>
-                      </p:stCondLst>
-                      <p:childTnLst>
-                        <p:par>
-                          <p:cTn id="45" fill="hold">
-                            <p:stCondLst>
-                              <p:cond delay="0"/>
-                            </p:stCondLst>
-                            <p:childTnLst>
-                              <p:par>
-                                <p:cTn id="46" presetID="10" presetClass="entr" presetSubtype="0" fill="hold" grpId="0" nodeType="clickEffect">
-                                  <p:stCondLst>
-                                    <p:cond delay="0"/>
-                                  </p:stCondLst>
-                                  <p:childTnLst>
-                                    <p:set>
-                                      <p:cBhvr>
-                                        <p:cTn id="47" dur="1" fill="hold">
-                                          <p:stCondLst>
-                                            <p:cond delay="0"/>
-                                          </p:stCondLst>
-                                        </p:cTn>
-                                        <p:tgtEl>
-                                          <p:spTgt spid="3">
-                                            <p:txEl>
-                                              <p:pRg st="11" end="11"/>
-                                            </p:txEl>
-                                          </p:spTgt>
-                                        </p:tgtEl>
-                                        <p:attrNameLst>
-                                          <p:attrName>style.visibility</p:attrName>
-                                        </p:attrNameLst>
-                                      </p:cBhvr>
-                                      <p:to>
-                                        <p:strVal val="visible"/>
-                                      </p:to>
-                                    </p:set>
-                                    <p:animEffect transition="in" filter="fade">
-                                      <p:cBhvr>
-                                        <p:cTn id="48" dur="500"/>
-                                        <p:tgtEl>
-                                          <p:spTgt spid="3">
-                                            <p:txEl>
-                                              <p:pRg st="11" end="11"/>
-                                            </p:txEl>
-                                          </p:spTgt>
-                                        </p:tgtEl>
-                                      </p:cBhvr>
-                                    </p:animEffect>
-                                  </p:childTnLst>
-                                </p:cTn>
-                              </p:par>
-                              <p:par>
-                                <p:cTn id="49" presetID="10" presetClass="entr" presetSubtype="0" fill="hold" grpId="0" nodeType="withEffect">
-                                  <p:stCondLst>
-                                    <p:cond delay="0"/>
-                                  </p:stCondLst>
-                                  <p:childTnLst>
-                                    <p:set>
-                                      <p:cBhvr>
-                                        <p:cTn id="50" dur="1" fill="hold">
-                                          <p:stCondLst>
-                                            <p:cond delay="0"/>
-                                          </p:stCondLst>
-                                        </p:cTn>
-                                        <p:tgtEl>
-                                          <p:spTgt spid="3">
-                                            <p:txEl>
-                                              <p:pRg st="12" end="12"/>
-                                            </p:txEl>
-                                          </p:spTgt>
-                                        </p:tgtEl>
-                                        <p:attrNameLst>
-                                          <p:attrName>style.visibility</p:attrName>
-                                        </p:attrNameLst>
-                                      </p:cBhvr>
-                                      <p:to>
-                                        <p:strVal val="visible"/>
-                                      </p:to>
-                                    </p:set>
-                                    <p:animEffect transition="in" filter="fade">
-                                      <p:cBhvr>
-                                        <p:cTn id="51" dur="500"/>
-                                        <p:tgtEl>
-                                          <p:spTgt spid="3">
-                                            <p:txEl>
-                                              <p:pRg st="12" end="12"/>
-                                            </p:txEl>
-                                          </p:spTgt>
-                                        </p:tgtEl>
-                                      </p:cBhvr>
-                                    </p:animEffect>
-                                  </p:childTnLst>
-                                </p:cTn>
-                              </p:par>
-                            </p:childTnLst>
-                          </p:cTn>
-                        </p:par>
-                      </p:childTnLst>
-                    </p:cTn>
-                  </p:par>
-                  <p:par>
-                    <p:cTn id="52" fill="hold">
-                      <p:stCondLst>
-                        <p:cond delay="indefinite"/>
-                      </p:stCondLst>
-                      <p:childTnLst>
-                        <p:par>
-                          <p:cTn id="53" fill="hold">
-                            <p:stCondLst>
-                              <p:cond delay="0"/>
-                            </p:stCondLst>
-                            <p:childTnLst>
-                              <p:par>
-                                <p:cTn id="54" presetID="1" presetClass="entr" presetSubtype="0" fill="hold" grpId="1" nodeType="clickEffect">
-                                  <p:stCondLst>
-                                    <p:cond delay="0"/>
-                                  </p:stCondLst>
-                                  <p:childTnLst>
-                                    <p:set>
-                                      <p:cBhvr>
-                                        <p:cTn id="55" dur="1" fill="hold">
+                                        <p:cTn id="10" dur="1" fill="hold">
                                           <p:stCondLst>
                                             <p:cond delay="0"/>
                                           </p:stCondLst>
@@ -8400,14 +7818,14 @@
                                 </p:cTn>
                               </p:par>
                               <p:par>
-                                <p:cTn id="56" presetID="1" presetClass="entr" presetSubtype="0" fill="hold" grpId="1" nodeType="withEffect">
+                                <p:cTn id="11" presetID="1" presetClass="entr" presetSubtype="0" fill="hold" grpId="0" nodeType="withEffect">
                                   <p:stCondLst>
                                     <p:cond delay="0"/>
                                   </p:stCondLst>
                                   <p:childTnLst>
                                     <p:set>
                                       <p:cBhvr>
-                                        <p:cTn id="57" dur="1" fill="hold">
+                                        <p:cTn id="12" dur="1" fill="hold">
                                           <p:stCondLst>
                                             <p:cond delay="0"/>
                                           </p:stCondLst>
@@ -8437,26 +7855,26 @@
                     </p:cTn>
                   </p:par>
                   <p:par>
-                    <p:cTn id="58" fill="hold">
+                    <p:cTn id="13" fill="hold">
                       <p:stCondLst>
                         <p:cond delay="indefinite"/>
                       </p:stCondLst>
                       <p:childTnLst>
                         <p:par>
-                          <p:cTn id="59" fill="hold">
+                          <p:cTn id="14" fill="hold">
                             <p:stCondLst>
                               <p:cond delay="0"/>
                             </p:stCondLst>
                             <p:childTnLst>
                               <p:par>
-                                <p:cTn id="60" presetID="1" presetClass="entr" presetSubtype="0" fill="hold" grpId="1" nodeType="clickEffect">
+                                <p:cTn id="15" presetID="1" presetClass="entr" presetSubtype="0" fill="hold" grpId="0" nodeType="clickEffect">
                                   <p:stCondLst>
                                     <p:cond delay="0"/>
                                   </p:stCondLst>
                                   <p:childTnLst>
                                     <p:set>
                                       <p:cBhvr>
-                                        <p:cTn id="61" dur="1" fill="hold">
+                                        <p:cTn id="16" dur="1" fill="hold">
                                           <p:stCondLst>
                                             <p:cond delay="0"/>
                                           </p:stCondLst>
@@ -8480,14 +7898,14 @@
                                 </p:cTn>
                               </p:par>
                               <p:par>
-                                <p:cTn id="62" presetID="1" presetClass="entr" presetSubtype="0" fill="hold" grpId="1" nodeType="withEffect">
+                                <p:cTn id="17" presetID="1" presetClass="entr" presetSubtype="0" fill="hold" grpId="0" nodeType="withEffect">
                                   <p:stCondLst>
                                     <p:cond delay="0"/>
                                   </p:stCondLst>
                                   <p:childTnLst>
                                     <p:set>
                                       <p:cBhvr>
-                                        <p:cTn id="63" dur="1" fill="hold">
+                                        <p:cTn id="18" dur="1" fill="hold">
                                           <p:stCondLst>
                                             <p:cond delay="0"/>
                                           </p:stCondLst>
@@ -8511,14 +7929,14 @@
                                 </p:cTn>
                               </p:par>
                               <p:par>
-                                <p:cTn id="64" presetID="1" presetClass="entr" presetSubtype="0" fill="hold" grpId="1" nodeType="withEffect">
+                                <p:cTn id="19" presetID="1" presetClass="entr" presetSubtype="0" fill="hold" grpId="0" nodeType="withEffect">
                                   <p:stCondLst>
                                     <p:cond delay="0"/>
                                   </p:stCondLst>
                                   <p:childTnLst>
                                     <p:set>
                                       <p:cBhvr>
-                                        <p:cTn id="65" dur="1" fill="hold">
+                                        <p:cTn id="20" dur="1" fill="hold">
                                           <p:stCondLst>
                                             <p:cond delay="0"/>
                                           </p:stCondLst>
@@ -8548,26 +7966,26 @@
                     </p:cTn>
                   </p:par>
                   <p:par>
-                    <p:cTn id="66" fill="hold">
+                    <p:cTn id="21" fill="hold">
                       <p:stCondLst>
                         <p:cond delay="indefinite"/>
                       </p:stCondLst>
                       <p:childTnLst>
                         <p:par>
-                          <p:cTn id="67" fill="hold">
+                          <p:cTn id="22" fill="hold">
                             <p:stCondLst>
                               <p:cond delay="0"/>
                             </p:stCondLst>
                             <p:childTnLst>
                               <p:par>
-                                <p:cTn id="68" presetID="1" presetClass="entr" presetSubtype="0" fill="hold" grpId="1" nodeType="clickEffect">
+                                <p:cTn id="23" presetID="1" presetClass="entr" presetSubtype="0" fill="hold" grpId="0" nodeType="clickEffect">
                                   <p:stCondLst>
                                     <p:cond delay="0"/>
                                   </p:stCondLst>
                                   <p:childTnLst>
                                     <p:set>
                                       <p:cBhvr>
-                                        <p:cTn id="69" dur="1" fill="hold">
+                                        <p:cTn id="24" dur="1" fill="hold">
                                           <p:stCondLst>
                                             <p:cond delay="0"/>
                                           </p:stCondLst>
@@ -8591,14 +8009,14 @@
                                 </p:cTn>
                               </p:par>
                               <p:par>
-                                <p:cTn id="70" presetID="1" presetClass="entr" presetSubtype="0" fill="hold" grpId="1" nodeType="withEffect">
+                                <p:cTn id="25" presetID="1" presetClass="entr" presetSubtype="0" fill="hold" grpId="0" nodeType="withEffect">
                                   <p:stCondLst>
                                     <p:cond delay="0"/>
                                   </p:stCondLst>
                                   <p:childTnLst>
                                     <p:set>
                                       <p:cBhvr>
-                                        <p:cTn id="71" dur="1" fill="hold">
+                                        <p:cTn id="26" dur="1" fill="hold">
                                           <p:stCondLst>
                                             <p:cond delay="0"/>
                                           </p:stCondLst>
@@ -8622,14 +8040,14 @@
                                 </p:cTn>
                               </p:par>
                               <p:par>
-                                <p:cTn id="72" presetID="1" presetClass="entr" presetSubtype="0" fill="hold" grpId="1" nodeType="withEffect">
+                                <p:cTn id="27" presetID="1" presetClass="entr" presetSubtype="0" fill="hold" grpId="0" nodeType="withEffect">
                                   <p:stCondLst>
                                     <p:cond delay="0"/>
                                   </p:stCondLst>
                                   <p:childTnLst>
                                     <p:set>
                                       <p:cBhvr>
-                                        <p:cTn id="73" dur="1" fill="hold">
+                                        <p:cTn id="28" dur="1" fill="hold">
                                           <p:stCondLst>
                                             <p:cond delay="0"/>
                                           </p:stCondLst>
@@ -8659,26 +8077,26 @@
                     </p:cTn>
                   </p:par>
                   <p:par>
-                    <p:cTn id="74" fill="hold">
+                    <p:cTn id="29" fill="hold">
                       <p:stCondLst>
                         <p:cond delay="indefinite"/>
                       </p:stCondLst>
                       <p:childTnLst>
                         <p:par>
-                          <p:cTn id="75" fill="hold">
+                          <p:cTn id="30" fill="hold">
                             <p:stCondLst>
                               <p:cond delay="0"/>
                             </p:stCondLst>
                             <p:childTnLst>
                               <p:par>
-                                <p:cTn id="76" presetID="1" presetClass="entr" presetSubtype="0" fill="hold" grpId="1" nodeType="clickEffect">
+                                <p:cTn id="31" presetID="1" presetClass="entr" presetSubtype="0" fill="hold" grpId="0" nodeType="clickEffect">
                                   <p:stCondLst>
                                     <p:cond delay="0"/>
                                   </p:stCondLst>
                                   <p:childTnLst>
                                     <p:set>
                                       <p:cBhvr>
-                                        <p:cTn id="77" dur="1" fill="hold">
+                                        <p:cTn id="32" dur="1" fill="hold">
                                           <p:stCondLst>
                                             <p:cond delay="0"/>
                                           </p:stCondLst>
@@ -8702,14 +8120,14 @@
                                 </p:cTn>
                               </p:par>
                               <p:par>
-                                <p:cTn id="78" presetID="1" presetClass="entr" presetSubtype="0" fill="hold" grpId="1" nodeType="withEffect">
+                                <p:cTn id="33" presetID="1" presetClass="entr" presetSubtype="0" fill="hold" grpId="0" nodeType="withEffect">
                                   <p:stCondLst>
                                     <p:cond delay="0"/>
                                   </p:stCondLst>
                                   <p:childTnLst>
                                     <p:set>
                                       <p:cBhvr>
-                                        <p:cTn id="79" dur="1" fill="hold">
+                                        <p:cTn id="34" dur="1" fill="hold">
                                           <p:stCondLst>
                                             <p:cond delay="0"/>
                                           </p:stCondLst>
@@ -8733,14 +8151,14 @@
                                 </p:cTn>
                               </p:par>
                               <p:par>
-                                <p:cTn id="80" presetID="1" presetClass="entr" presetSubtype="0" fill="hold" grpId="1" nodeType="withEffect">
+                                <p:cTn id="35" presetID="1" presetClass="entr" presetSubtype="0" fill="hold" grpId="0" nodeType="withEffect">
                                   <p:stCondLst>
                                     <p:cond delay="0"/>
                                   </p:stCondLst>
                                   <p:childTnLst>
                                     <p:set>
                                       <p:cBhvr>
-                                        <p:cTn id="81" dur="1" fill="hold">
+                                        <p:cTn id="36" dur="1" fill="hold">
                                           <p:stCondLst>
                                             <p:cond delay="0"/>
                                           </p:stCondLst>
@@ -8770,26 +8188,26 @@
                     </p:cTn>
                   </p:par>
                   <p:par>
-                    <p:cTn id="82" fill="hold">
+                    <p:cTn id="37" fill="hold">
                       <p:stCondLst>
                         <p:cond delay="indefinite"/>
                       </p:stCondLst>
                       <p:childTnLst>
                         <p:par>
-                          <p:cTn id="83" fill="hold">
+                          <p:cTn id="38" fill="hold">
                             <p:stCondLst>
                               <p:cond delay="0"/>
                             </p:stCondLst>
                             <p:childTnLst>
                               <p:par>
-                                <p:cTn id="84" presetID="1" presetClass="entr" presetSubtype="0" fill="hold" grpId="1" nodeType="clickEffect">
+                                <p:cTn id="39" presetID="1" presetClass="entr" presetSubtype="0" fill="hold" grpId="0" nodeType="clickEffect">
                                   <p:stCondLst>
                                     <p:cond delay="0"/>
                                   </p:stCondLst>
                                   <p:childTnLst>
                                     <p:set>
                                       <p:cBhvr>
-                                        <p:cTn id="85" dur="1" fill="hold">
+                                        <p:cTn id="40" dur="1" fill="hold">
                                           <p:stCondLst>
                                             <p:cond delay="0"/>
                                           </p:stCondLst>
@@ -8813,14 +8231,14 @@
                                 </p:cTn>
                               </p:par>
                               <p:par>
-                                <p:cTn id="86" presetID="1" presetClass="entr" presetSubtype="0" fill="hold" grpId="1" nodeType="withEffect">
+                                <p:cTn id="41" presetID="1" presetClass="entr" presetSubtype="0" fill="hold" grpId="0" nodeType="withEffect">
                                   <p:stCondLst>
                                     <p:cond delay="0"/>
                                   </p:stCondLst>
                                   <p:childTnLst>
                                     <p:set>
                                       <p:cBhvr>
-                                        <p:cTn id="87" dur="1" fill="hold">
+                                        <p:cTn id="42" dur="1" fill="hold">
                                           <p:stCondLst>
                                             <p:cond delay="0"/>
                                           </p:stCondLst>
@@ -8872,7 +8290,6 @@
     </p:tnLst>
     <p:bldLst>
       <p:bldP spid="3" grpId="0" build="p"/>
-      <p:bldP spid="3" grpId="1" uiExpand="1" build="p"/>
     </p:bldLst>
   </p:timing>
 </p:sld>
@@ -9523,32 +8940,15 @@
           </a:p>
         </p:txBody>
       </p:sp>
-      <p:sp>
-        <p:nvSpPr>
-          <p:cNvPr id="3" name="内容占位符 2"/>
-          <p:cNvSpPr>
-            <a:spLocks noGrp="1"/>
-          </p:cNvSpPr>
-          <p:nvPr>
-            <p:ph idx="1"/>
-          </p:nvPr>
-        </p:nvSpPr>
-        <p:spPr/>
-        <p:txBody>
-          <a:bodyPr/>
-          <a:lstStyle/>
-          <a:p>
-            <a:endParaRPr kumimoji="1" lang="zh-CN" altLang="en-US"/>
-          </a:p>
-        </p:txBody>
-      </p:sp>
       <p:pic>
         <p:nvPicPr>
-          <p:cNvPr id="4" name="图片 3"/>
+          <p:cNvPr id="6" name="内容占位符 5"/>
           <p:cNvPicPr>
-            <a:picLocks noChangeAspect="1"/>
+            <a:picLocks noGrp="1" noChangeAspect="1"/>
           </p:cNvPicPr>
-          <p:nvPr/>
+          <p:nvPr>
+            <p:ph idx="1"/>
+          </p:nvPr>
         </p:nvPicPr>
         <p:blipFill>
           <a:blip r:embed="rId2"/>
@@ -9558,8 +8958,8 @@
         </p:blipFill>
         <p:spPr>
           <a:xfrm>
-            <a:off x="677334" y="1632857"/>
-            <a:ext cx="8956523" cy="4408505"/>
+            <a:off x="677334" y="2060548"/>
+            <a:ext cx="8102600" cy="3860800"/>
           </a:xfrm>
           <a:prstGeom prst="rect">
             <a:avLst/>
